--- a/Presentation/Presentation.pptx
+++ b/Presentation/Presentation.pptx
@@ -125,7 +125,7 @@
 <file path=ppt/revisionInfo.xml><?xml version="1.0" encoding="utf-8"?>
 <p1510:revInfo xmlns:a="http://schemas.openxmlformats.org/drawingml/2006/main" xmlns:r="http://schemas.openxmlformats.org/officeDocument/2006/relationships" xmlns:p1510="http://schemas.microsoft.com/office/powerpoint/2015/10/main">
   <p1510:revLst>
-    <p1510:client id="{C8B7B2F4-259B-4319-BF7E-F038DE9A0B6F}" v="10" dt="2024-11-20T14:59:58.113"/>
+    <p1510:client id="{C8B7B2F4-259B-4319-BF7E-F038DE9A0B6F}" v="23" dt="2024-11-20T15:03:13.058"/>
   </p1510:revLst>
 </p1510:revInfo>
 </file>
@@ -5536,7 +5536,7 @@
                 <a:latin typeface="Segoe UI"/>
                 <a:cs typeface="Segoe UI"/>
               </a:rPr>
-              <a:t>"Allows data to be shared and reused across applications,</a:t>
+              <a:t>Allows data to be shared and reused across applications,</a:t>
             </a:r>
             <a:endParaRPr lang="en-US" dirty="0">
               <a:solidFill>
@@ -5566,17 +5566,8 @@
                 <a:latin typeface="Segoe UI"/>
                 <a:cs typeface="Segoe UI"/>
               </a:rPr>
-              <a:t>  enterprises, and communities."</a:t>
-            </a:r>
-            <a:endParaRPr lang="en-US" sz="1700">
-              <a:solidFill>
-                <a:srgbClr val="FFFFFF">
-                  <a:alpha val="58000"/>
-                </a:srgbClr>
-              </a:solidFill>
-              <a:latin typeface="Segoe UI"/>
-              <a:cs typeface="Segoe UI"/>
-            </a:endParaRPr>
+              <a:t>  enterprises, and communities.</a:t>
+            </a:r>
           </a:p>
         </p:txBody>
       </p:sp>
@@ -10917,7 +10908,7 @@
                 <a:ea typeface="+mn-lt"/>
                 <a:cs typeface="+mn-lt"/>
               </a:rPr>
-              <a:t>logo or icon</a:t>
+              <a:t>Logo or Icon</a:t>
             </a:r>
             <a:endParaRPr lang="en-US" sz="1700" dirty="0">
               <a:solidFill>
@@ -10942,7 +10933,7 @@
                 <a:ea typeface="+mn-lt"/>
                 <a:cs typeface="+mn-lt"/>
               </a:rPr>
-              <a:t>authorship information.</a:t>
+              <a:t>Authorship information.</a:t>
             </a:r>
             <a:endParaRPr lang="en-US" sz="1700" dirty="0">
               <a:solidFill>
